--- a/slide/Breast Cancer Risk Assessment Using Logistic Regression - Final.pptx
+++ b/slide/Breast Cancer Risk Assessment Using Logistic Regression - Final.pptx
@@ -24,6 +24,7 @@
     <p:sldId id="268" r:id="rId20"/>
     <p:sldId id="269" r:id="rId21"/>
     <p:sldId id="270" r:id="rId22"/>
+    <p:sldId id="271" r:id="rId23"/>
   </p:sldIdLst>
   <p:sldSz cy="10287000" cx="18288000"/>
   <p:notesSz cx="6858000" cy="9144000"/>
@@ -1071,7 +1072,106 @@
       </p:grpSpPr>
       <p:sp>
         <p:nvSpPr>
-          <p:cNvPr id="185" name="Google Shape;185;g3522ee28bb6_0_11:notes"/>
+          <p:cNvPr id="185" name="Google Shape;185;g351a3d0414c_0_0:notes"/>
+          <p:cNvSpPr/>
+          <p:nvPr>
+            <p:ph idx="2" type="sldImg"/>
+          </p:nvPr>
+        </p:nvSpPr>
+        <p:spPr>
+          <a:xfrm>
+            <a:off x="381300" y="685800"/>
+            <a:ext cx="6096000" cy="3429000"/>
+          </a:xfrm>
+          <a:custGeom>
+            <a:rect b="b" l="l" r="r" t="t"/>
+            <a:pathLst>
+              <a:path extrusionOk="0" h="120000" w="120000">
+                <a:moveTo>
+                  <a:pt x="0" y="0"/>
+                </a:moveTo>
+                <a:lnTo>
+                  <a:pt x="120000" y="0"/>
+                </a:lnTo>
+                <a:lnTo>
+                  <a:pt x="120000" y="120000"/>
+                </a:lnTo>
+                <a:lnTo>
+                  <a:pt x="0" y="120000"/>
+                </a:lnTo>
+                <a:close/>
+              </a:path>
+            </a:pathLst>
+          </a:custGeom>
+        </p:spPr>
+      </p:sp>
+      <p:sp>
+        <p:nvSpPr>
+          <p:cNvPr id="186" name="Google Shape;186;g351a3d0414c_0_0:notes"/>
+          <p:cNvSpPr txBox="1"/>
+          <p:nvPr>
+            <p:ph idx="1" type="body"/>
+          </p:nvPr>
+        </p:nvSpPr>
+        <p:spPr>
+          <a:xfrm>
+            <a:off x="685800" y="4343400"/>
+            <a:ext cx="5486400" cy="4114800"/>
+          </a:xfrm>
+          <a:prstGeom prst="rect">
+            <a:avLst/>
+          </a:prstGeom>
+        </p:spPr>
+        <p:txBody>
+          <a:bodyPr anchorCtr="0" anchor="t" bIns="91425" lIns="91425" spcFirstLastPara="1" rIns="91425" wrap="square" tIns="91425">
+            <a:noAutofit/>
+          </a:bodyPr>
+          <a:lstStyle/>
+          <a:p>
+            <a:pPr indent="0" lvl="0" marL="0" rtl="0" algn="l">
+              <a:spcBef>
+                <a:spcPts val="0"/>
+              </a:spcBef>
+              <a:spcAft>
+                <a:spcPts val="0"/>
+              </a:spcAft>
+              <a:buNone/>
+            </a:pPr>
+            <a:r>
+              <a:t/>
+            </a:r>
+            <a:endParaRPr/>
+          </a:p>
+        </p:txBody>
+      </p:sp>
+    </p:spTree>
+  </p:cSld>
+  <p:clrMapOvr>
+    <a:masterClrMapping/>
+  </p:clrMapOvr>
+</p:notes>
+</file>
+
+<file path=ppt/notesSlides/notesSlide12.xml><?xml version="1.0" encoding="utf-8"?>
+<p:notes xmlns:a="http://schemas.openxmlformats.org/drawingml/2006/main" xmlns:r="http://schemas.openxmlformats.org/officeDocument/2006/relationships" xmlns:mc="http://schemas.openxmlformats.org/markup-compatibility/2006" xmlns:mv="urn:schemas-microsoft-com:mac:vml" xmlns:p="http://schemas.openxmlformats.org/presentationml/2006/main" xmlns:c="http://schemas.openxmlformats.org/drawingml/2006/chart" xmlns:dgm="http://schemas.openxmlformats.org/drawingml/2006/diagram" xmlns:o="urn:schemas-microsoft-com:office:office" xmlns:v="urn:schemas-microsoft-com:vml" xmlns:pvml="urn:schemas-microsoft-com:office:powerpoint" xmlns:com="http://schemas.openxmlformats.org/drawingml/2006/compatibility" xmlns:p14="http://schemas.microsoft.com/office/powerpoint/2010/main" xmlns:p15="http://schemas.microsoft.com/office/powerpoint/2012/main" xmlns:ahyp="http://schemas.microsoft.com/office/drawing/2018/hyperlinkcolor" showMasterPhAnim="0" showMasterSp="0">
+  <p:cSld>
+    <p:spTree>
+      <p:nvGrpSpPr>
+        <p:cNvPr id="190" name="Shape 190"/>
+        <p:cNvGrpSpPr/>
+        <p:nvPr/>
+      </p:nvGrpSpPr>
+      <p:grpSpPr>
+        <a:xfrm>
+          <a:off x="0" y="0"/>
+          <a:ext cx="0" cy="0"/>
+          <a:chOff x="0" y="0"/>
+          <a:chExt cx="0" cy="0"/>
+        </a:xfrm>
+      </p:grpSpPr>
+      <p:sp>
+        <p:nvSpPr>
+          <p:cNvPr id="191" name="Google Shape;191;g3522ee28bb6_0_11:notes"/>
           <p:cNvSpPr txBox="1"/>
           <p:nvPr>
             <p:ph idx="1" type="body"/>
@@ -1130,136 +1230,7 @@
       </p:sp>
       <p:sp>
         <p:nvSpPr>
-          <p:cNvPr id="186" name="Google Shape;186;g3522ee28bb6_0_11:notes"/>
-          <p:cNvSpPr/>
-          <p:nvPr>
-            <p:ph idx="2" type="sldImg"/>
-          </p:nvPr>
-        </p:nvSpPr>
-        <p:spPr>
-          <a:xfrm>
-            <a:off x="1714500" y="685800"/>
-            <a:ext cx="3429000" cy="3428700"/>
-          </a:xfrm>
-          <a:custGeom>
-            <a:rect b="b" l="l" r="r" t="t"/>
-            <a:pathLst>
-              <a:path extrusionOk="0" h="120000" w="120000">
-                <a:moveTo>
-                  <a:pt x="0" y="0"/>
-                </a:moveTo>
-                <a:lnTo>
-                  <a:pt x="120000" y="0"/>
-                </a:lnTo>
-                <a:lnTo>
-                  <a:pt x="120000" y="120000"/>
-                </a:lnTo>
-                <a:lnTo>
-                  <a:pt x="0" y="120000"/>
-                </a:lnTo>
-                <a:close/>
-              </a:path>
-            </a:pathLst>
-          </a:custGeom>
-          <a:noFill/>
-          <a:ln cap="flat" cmpd="sng" w="9525">
-            <a:solidFill>
-              <a:srgbClr val="000000"/>
-            </a:solidFill>
-            <a:prstDash val="solid"/>
-            <a:round/>
-            <a:headEnd len="sm" w="sm" type="none"/>
-            <a:tailEnd len="sm" w="sm" type="none"/>
-          </a:ln>
-        </p:spPr>
-      </p:sp>
-    </p:spTree>
-  </p:cSld>
-  <p:clrMapOvr>
-    <a:masterClrMapping/>
-  </p:clrMapOvr>
-</p:notes>
-</file>
-
-<file path=ppt/notesSlides/notesSlide12.xml><?xml version="1.0" encoding="utf-8"?>
-<p:notes xmlns:a="http://schemas.openxmlformats.org/drawingml/2006/main" xmlns:r="http://schemas.openxmlformats.org/officeDocument/2006/relationships" xmlns:mc="http://schemas.openxmlformats.org/markup-compatibility/2006" xmlns:mv="urn:schemas-microsoft-com:mac:vml" xmlns:p="http://schemas.openxmlformats.org/presentationml/2006/main" xmlns:c="http://schemas.openxmlformats.org/drawingml/2006/chart" xmlns:dgm="http://schemas.openxmlformats.org/drawingml/2006/diagram" xmlns:o="urn:schemas-microsoft-com:office:office" xmlns:v="urn:schemas-microsoft-com:vml" xmlns:pvml="urn:schemas-microsoft-com:office:powerpoint" xmlns:com="http://schemas.openxmlformats.org/drawingml/2006/compatibility" xmlns:p14="http://schemas.microsoft.com/office/powerpoint/2010/main" xmlns:p15="http://schemas.microsoft.com/office/powerpoint/2012/main" xmlns:ahyp="http://schemas.microsoft.com/office/drawing/2018/hyperlinkcolor" showMasterPhAnim="0" showMasterSp="0">
-  <p:cSld>
-    <p:spTree>
-      <p:nvGrpSpPr>
-        <p:cNvPr id="191" name="Shape 191"/>
-        <p:cNvGrpSpPr/>
-        <p:nvPr/>
-      </p:nvGrpSpPr>
-      <p:grpSpPr>
-        <a:xfrm>
-          <a:off x="0" y="0"/>
-          <a:ext cx="0" cy="0"/>
-          <a:chOff x="0" y="0"/>
-          <a:chExt cx="0" cy="0"/>
-        </a:xfrm>
-      </p:grpSpPr>
-      <p:sp>
-        <p:nvSpPr>
-          <p:cNvPr id="192" name="Google Shape;192;g3522ee28bb6_0_21:notes"/>
-          <p:cNvSpPr txBox="1"/>
-          <p:nvPr>
-            <p:ph idx="1" type="body"/>
-          </p:nvPr>
-        </p:nvSpPr>
-        <p:spPr>
-          <a:xfrm>
-            <a:off x="685800" y="4343400"/>
-            <a:ext cx="5486400" cy="4114800"/>
-          </a:xfrm>
-          <a:prstGeom prst="rect">
-            <a:avLst/>
-          </a:prstGeom>
-          <a:noFill/>
-          <a:ln>
-            <a:noFill/>
-          </a:ln>
-        </p:spPr>
-        <p:txBody>
-          <a:bodyPr anchorCtr="0" anchor="ctr" bIns="91425" lIns="91425" spcFirstLastPara="1" rIns="91425" wrap="square" tIns="91425">
-            <a:noAutofit/>
-          </a:bodyPr>
-          <a:lstStyle/>
-          <a:p>
-            <a:pPr indent="0" lvl="0" marL="0" marR="0" rtl="0" algn="l">
-              <a:lnSpc>
-                <a:spcPct val="100000"/>
-              </a:lnSpc>
-              <a:spcBef>
-                <a:spcPts val="0"/>
-              </a:spcBef>
-              <a:spcAft>
-                <a:spcPts val="0"/>
-              </a:spcAft>
-              <a:buClr>
-                <a:schemeClr val="dk1"/>
-              </a:buClr>
-              <a:buSzPts val="1100"/>
-              <a:buFont typeface="Arial"/>
-              <a:buNone/>
-            </a:pPr>
-            <a:r>
-              <a:t/>
-            </a:r>
-            <a:endParaRPr b="0" i="0" sz="1100" u="none" cap="none" strike="noStrike">
-              <a:solidFill>
-                <a:schemeClr val="dk1"/>
-              </a:solidFill>
-              <a:latin typeface="Arial"/>
-              <a:ea typeface="Arial"/>
-              <a:cs typeface="Arial"/>
-              <a:sym typeface="Arial"/>
-            </a:endParaRPr>
-          </a:p>
-        </p:txBody>
-      </p:sp>
-      <p:sp>
-        <p:nvSpPr>
-          <p:cNvPr id="193" name="Google Shape;193;g3522ee28bb6_0_21:notes"/>
+          <p:cNvPr id="192" name="Google Shape;192;g3522ee28bb6_0_11:notes"/>
           <p:cNvSpPr/>
           <p:nvPr>
             <p:ph idx="2" type="sldImg"/>
@@ -1329,7 +1300,7 @@
       </p:grpSpPr>
       <p:sp>
         <p:nvSpPr>
-          <p:cNvPr id="198" name="Google Shape;198;g3522ee28bb6_0_29:notes"/>
+          <p:cNvPr id="198" name="Google Shape;198;g3522ee28bb6_0_21:notes"/>
           <p:cNvSpPr txBox="1"/>
           <p:nvPr>
             <p:ph idx="1" type="body"/>
@@ -1388,7 +1359,7 @@
       </p:sp>
       <p:sp>
         <p:nvSpPr>
-          <p:cNvPr id="199" name="Google Shape;199;g3522ee28bb6_0_29:notes"/>
+          <p:cNvPr id="199" name="Google Shape;199;g3522ee28bb6_0_21:notes"/>
           <p:cNvSpPr/>
           <p:nvPr>
             <p:ph idx="2" type="sldImg"/>
@@ -1458,7 +1429,136 @@
       </p:grpSpPr>
       <p:sp>
         <p:nvSpPr>
-          <p:cNvPr id="204" name="Google Shape;204;g350edc81732_0_65:notes"/>
+          <p:cNvPr id="204" name="Google Shape;204;g3522ee28bb6_0_29:notes"/>
+          <p:cNvSpPr txBox="1"/>
+          <p:nvPr>
+            <p:ph idx="1" type="body"/>
+          </p:nvPr>
+        </p:nvSpPr>
+        <p:spPr>
+          <a:xfrm>
+            <a:off x="685800" y="4343400"/>
+            <a:ext cx="5486400" cy="4114800"/>
+          </a:xfrm>
+          <a:prstGeom prst="rect">
+            <a:avLst/>
+          </a:prstGeom>
+          <a:noFill/>
+          <a:ln>
+            <a:noFill/>
+          </a:ln>
+        </p:spPr>
+        <p:txBody>
+          <a:bodyPr anchorCtr="0" anchor="ctr" bIns="91425" lIns="91425" spcFirstLastPara="1" rIns="91425" wrap="square" tIns="91425">
+            <a:noAutofit/>
+          </a:bodyPr>
+          <a:lstStyle/>
+          <a:p>
+            <a:pPr indent="0" lvl="0" marL="0" marR="0" rtl="0" algn="l">
+              <a:lnSpc>
+                <a:spcPct val="100000"/>
+              </a:lnSpc>
+              <a:spcBef>
+                <a:spcPts val="0"/>
+              </a:spcBef>
+              <a:spcAft>
+                <a:spcPts val="0"/>
+              </a:spcAft>
+              <a:buClr>
+                <a:schemeClr val="dk1"/>
+              </a:buClr>
+              <a:buSzPts val="1100"/>
+              <a:buFont typeface="Arial"/>
+              <a:buNone/>
+            </a:pPr>
+            <a:r>
+              <a:t/>
+            </a:r>
+            <a:endParaRPr b="0" i="0" sz="1100" u="none" cap="none" strike="noStrike">
+              <a:solidFill>
+                <a:schemeClr val="dk1"/>
+              </a:solidFill>
+              <a:latin typeface="Arial"/>
+              <a:ea typeface="Arial"/>
+              <a:cs typeface="Arial"/>
+              <a:sym typeface="Arial"/>
+            </a:endParaRPr>
+          </a:p>
+        </p:txBody>
+      </p:sp>
+      <p:sp>
+        <p:nvSpPr>
+          <p:cNvPr id="205" name="Google Shape;205;g3522ee28bb6_0_29:notes"/>
+          <p:cNvSpPr/>
+          <p:nvPr>
+            <p:ph idx="2" type="sldImg"/>
+          </p:nvPr>
+        </p:nvSpPr>
+        <p:spPr>
+          <a:xfrm>
+            <a:off x="1714500" y="685800"/>
+            <a:ext cx="3429000" cy="3428700"/>
+          </a:xfrm>
+          <a:custGeom>
+            <a:rect b="b" l="l" r="r" t="t"/>
+            <a:pathLst>
+              <a:path extrusionOk="0" h="120000" w="120000">
+                <a:moveTo>
+                  <a:pt x="0" y="0"/>
+                </a:moveTo>
+                <a:lnTo>
+                  <a:pt x="120000" y="0"/>
+                </a:lnTo>
+                <a:lnTo>
+                  <a:pt x="120000" y="120000"/>
+                </a:lnTo>
+                <a:lnTo>
+                  <a:pt x="0" y="120000"/>
+                </a:lnTo>
+                <a:close/>
+              </a:path>
+            </a:pathLst>
+          </a:custGeom>
+          <a:noFill/>
+          <a:ln cap="flat" cmpd="sng" w="9525">
+            <a:solidFill>
+              <a:srgbClr val="000000"/>
+            </a:solidFill>
+            <a:prstDash val="solid"/>
+            <a:round/>
+            <a:headEnd len="sm" w="sm" type="none"/>
+            <a:tailEnd len="sm" w="sm" type="none"/>
+          </a:ln>
+        </p:spPr>
+      </p:sp>
+    </p:spTree>
+  </p:cSld>
+  <p:clrMapOvr>
+    <a:masterClrMapping/>
+  </p:clrMapOvr>
+</p:notes>
+</file>
+
+<file path=ppt/notesSlides/notesSlide15.xml><?xml version="1.0" encoding="utf-8"?>
+<p:notes xmlns:a="http://schemas.openxmlformats.org/drawingml/2006/main" xmlns:r="http://schemas.openxmlformats.org/officeDocument/2006/relationships" xmlns:mc="http://schemas.openxmlformats.org/markup-compatibility/2006" xmlns:mv="urn:schemas-microsoft-com:mac:vml" xmlns:p="http://schemas.openxmlformats.org/presentationml/2006/main" xmlns:c="http://schemas.openxmlformats.org/drawingml/2006/chart" xmlns:dgm="http://schemas.openxmlformats.org/drawingml/2006/diagram" xmlns:o="urn:schemas-microsoft-com:office:office" xmlns:v="urn:schemas-microsoft-com:vml" xmlns:pvml="urn:schemas-microsoft-com:office:powerpoint" xmlns:com="http://schemas.openxmlformats.org/drawingml/2006/compatibility" xmlns:p14="http://schemas.microsoft.com/office/powerpoint/2010/main" xmlns:p15="http://schemas.microsoft.com/office/powerpoint/2012/main" xmlns:ahyp="http://schemas.microsoft.com/office/drawing/2018/hyperlinkcolor" showMasterPhAnim="0" showMasterSp="0">
+  <p:cSld>
+    <p:spTree>
+      <p:nvGrpSpPr>
+        <p:cNvPr id="209" name="Shape 209"/>
+        <p:cNvGrpSpPr/>
+        <p:nvPr/>
+      </p:nvGrpSpPr>
+      <p:grpSpPr>
+        <a:xfrm>
+          <a:off x="0" y="0"/>
+          <a:ext cx="0" cy="0"/>
+          <a:chOff x="0" y="0"/>
+          <a:chExt cx="0" cy="0"/>
+        </a:xfrm>
+      </p:grpSpPr>
+      <p:sp>
+        <p:nvSpPr>
+          <p:cNvPr id="210" name="Google Shape;210;g350edc81732_0_65:notes"/>
           <p:cNvSpPr/>
           <p:nvPr>
             <p:ph idx="2" type="sldImg"/>
@@ -1493,7 +1593,7 @@
       </p:sp>
       <p:sp>
         <p:nvSpPr>
-          <p:cNvPr id="205" name="Google Shape;205;g350edc81732_0_65:notes"/>
+          <p:cNvPr id="211" name="Google Shape;211;g350edc81732_0_65:notes"/>
           <p:cNvSpPr txBox="1"/>
           <p:nvPr>
             <p:ph idx="1" type="body"/>
@@ -1538,12 +1638,12 @@
 </p:notes>
 </file>
 
-<file path=ppt/notesSlides/notesSlide15.xml><?xml version="1.0" encoding="utf-8"?>
+<file path=ppt/notesSlides/notesSlide16.xml><?xml version="1.0" encoding="utf-8"?>
 <p:notes xmlns:a="http://schemas.openxmlformats.org/drawingml/2006/main" xmlns:r="http://schemas.openxmlformats.org/officeDocument/2006/relationships" xmlns:mc="http://schemas.openxmlformats.org/markup-compatibility/2006" xmlns:mv="urn:schemas-microsoft-com:mac:vml" xmlns:p="http://schemas.openxmlformats.org/presentationml/2006/main" xmlns:c="http://schemas.openxmlformats.org/drawingml/2006/chart" xmlns:dgm="http://schemas.openxmlformats.org/drawingml/2006/diagram" xmlns:o="urn:schemas-microsoft-com:office:office" xmlns:v="urn:schemas-microsoft-com:vml" xmlns:pvml="urn:schemas-microsoft-com:office:powerpoint" xmlns:com="http://schemas.openxmlformats.org/drawingml/2006/compatibility" xmlns:p14="http://schemas.microsoft.com/office/powerpoint/2010/main" xmlns:p15="http://schemas.microsoft.com/office/powerpoint/2012/main" xmlns:ahyp="http://schemas.microsoft.com/office/drawing/2018/hyperlinkcolor" showMasterPhAnim="0" showMasterSp="0">
   <p:cSld>
     <p:spTree>
       <p:nvGrpSpPr>
-        <p:cNvPr id="210" name="Shape 210"/>
+        <p:cNvPr id="216" name="Shape 216"/>
         <p:cNvGrpSpPr/>
         <p:nvPr/>
       </p:nvGrpSpPr>
@@ -1557,7 +1657,7 @@
       </p:grpSpPr>
       <p:sp>
         <p:nvSpPr>
-          <p:cNvPr id="211" name="Google Shape;211;g350edc81732_0_87:notes"/>
+          <p:cNvPr id="217" name="Google Shape;217;g350edc81732_0_87:notes"/>
           <p:cNvSpPr/>
           <p:nvPr>
             <p:ph idx="2" type="sldImg"/>
@@ -1592,7 +1692,7 @@
       </p:sp>
       <p:sp>
         <p:nvSpPr>
-          <p:cNvPr id="212" name="Google Shape;212;g350edc81732_0_87:notes"/>
+          <p:cNvPr id="218" name="Google Shape;218;g350edc81732_0_87:notes"/>
           <p:cNvSpPr txBox="1"/>
           <p:nvPr>
             <p:ph idx="1" type="body"/>
@@ -17780,7 +17880,7 @@
             <a:tbl>
               <a:tblPr>
                 <a:noFill/>
-                <a:tableStyleId>{B316B7C7-2018-4806-85FE-C12FB148D3BF}</a:tableStyleId>
+                <a:tableStyleId>{E139BFD5-697B-4AEE-9F16-91CB0AB3144C}</a:tableStyleId>
               </a:tblPr>
               <a:tblGrid>
                 <a:gridCol w="2676925"/>
@@ -18754,9 +18854,90 @@
           <a:chExt cx="0" cy="0"/>
         </a:xfrm>
       </p:grpSpPr>
+      <p:pic>
+        <p:nvPicPr>
+          <p:cNvPr id="188" name="Google Shape;188;p32" title="rf_test_confusion_matrix.png"/>
+          <p:cNvPicPr preferRelativeResize="0"/>
+          <p:nvPr/>
+        </p:nvPicPr>
+        <p:blipFill>
+          <a:blip r:embed="rId3">
+            <a:alphaModFix/>
+          </a:blip>
+          <a:stretch>
+            <a:fillRect/>
+          </a:stretch>
+        </p:blipFill>
+        <p:spPr>
+          <a:xfrm>
+            <a:off x="1587025" y="2303825"/>
+            <a:ext cx="7228050" cy="6082996"/>
+          </a:xfrm>
+          <a:prstGeom prst="rect">
+            <a:avLst/>
+          </a:prstGeom>
+          <a:noFill/>
+          <a:ln>
+            <a:noFill/>
+          </a:ln>
+        </p:spPr>
+      </p:pic>
+      <p:pic>
+        <p:nvPicPr>
+          <p:cNvPr id="189" name="Google Shape;189;p32" title="logreg_test_confusion_matrix.png"/>
+          <p:cNvPicPr preferRelativeResize="0"/>
+          <p:nvPr/>
+        </p:nvPicPr>
+        <p:blipFill>
+          <a:blip r:embed="rId4">
+            <a:alphaModFix/>
+          </a:blip>
+          <a:stretch>
+            <a:fillRect/>
+          </a:stretch>
+        </p:blipFill>
+        <p:spPr>
+          <a:xfrm>
+            <a:off x="9688650" y="2284213"/>
+            <a:ext cx="7228061" cy="6023375"/>
+          </a:xfrm>
+          <a:prstGeom prst="rect">
+            <a:avLst/>
+          </a:prstGeom>
+          <a:noFill/>
+          <a:ln>
+            <a:noFill/>
+          </a:ln>
+        </p:spPr>
+      </p:pic>
+    </p:spTree>
+  </p:cSld>
+  <p:clrMapOvr>
+    <a:masterClrMapping/>
+  </p:clrMapOvr>
+</p:sld>
+</file>
+
+<file path=ppt/slides/slide12.xml><?xml version="1.0" encoding="utf-8"?>
+<p:sld xmlns:a="http://schemas.openxmlformats.org/drawingml/2006/main" xmlns:r="http://schemas.openxmlformats.org/officeDocument/2006/relationships" xmlns:mc="http://schemas.openxmlformats.org/markup-compatibility/2006" xmlns:mv="urn:schemas-microsoft-com:mac:vml" xmlns:p="http://schemas.openxmlformats.org/presentationml/2006/main" xmlns:c="http://schemas.openxmlformats.org/drawingml/2006/chart" xmlns:dgm="http://schemas.openxmlformats.org/drawingml/2006/diagram" xmlns:o="urn:schemas-microsoft-com:office:office" xmlns:v="urn:schemas-microsoft-com:vml" xmlns:pvml="urn:schemas-microsoft-com:office:powerpoint" xmlns:com="http://schemas.openxmlformats.org/drawingml/2006/compatibility" xmlns:p14="http://schemas.microsoft.com/office/powerpoint/2010/main" xmlns:p15="http://schemas.microsoft.com/office/powerpoint/2012/main" xmlns:ahyp="http://schemas.microsoft.com/office/drawing/2018/hyperlinkcolor">
+  <p:cSld>
+    <p:spTree>
+      <p:nvGrpSpPr>
+        <p:cNvPr id="193" name="Shape 193"/>
+        <p:cNvGrpSpPr/>
+        <p:nvPr/>
+      </p:nvGrpSpPr>
+      <p:grpSpPr>
+        <a:xfrm>
+          <a:off x="0" y="0"/>
+          <a:ext cx="0" cy="0"/>
+          <a:chOff x="0" y="0"/>
+          <a:chExt cx="0" cy="0"/>
+        </a:xfrm>
+      </p:grpSpPr>
       <p:sp>
         <p:nvSpPr>
-          <p:cNvPr id="188" name="Google Shape;188;p32"/>
+          <p:cNvPr id="194" name="Google Shape;194;p33"/>
           <p:cNvSpPr txBox="1"/>
           <p:nvPr/>
         </p:nvSpPr>
@@ -18805,7 +18986,7 @@
       </p:sp>
       <p:sp>
         <p:nvSpPr>
-          <p:cNvPr id="189" name="Google Shape;189;p32"/>
+          <p:cNvPr id="195" name="Google Shape;195;p33"/>
           <p:cNvSpPr txBox="1"/>
           <p:nvPr/>
         </p:nvSpPr>
@@ -19000,7 +19181,7 @@
       </p:sp>
       <p:pic>
         <p:nvPicPr>
-          <p:cNvPr id="190" name="Google Shape;190;p32" title="correlation_heatmap.png"/>
+          <p:cNvPr id="196" name="Google Shape;196;p33" title="correlation_heatmap.png"/>
           <p:cNvPicPr preferRelativeResize="0"/>
           <p:nvPr/>
         </p:nvPicPr>
@@ -19015,107 +19196,6 @@
           <a:xfrm>
             <a:off x="8199500" y="1639725"/>
             <a:ext cx="10088502" cy="8647275"/>
-          </a:xfrm>
-          <a:prstGeom prst="rect">
-            <a:avLst/>
-          </a:prstGeom>
-          <a:noFill/>
-          <a:ln>
-            <a:noFill/>
-          </a:ln>
-        </p:spPr>
-      </p:pic>
-    </p:spTree>
-  </p:cSld>
-  <p:clrMapOvr>
-    <a:masterClrMapping/>
-  </p:clrMapOvr>
-</p:sld>
-</file>
-
-<file path=ppt/slides/slide12.xml><?xml version="1.0" encoding="utf-8"?>
-<p:sld xmlns:a="http://schemas.openxmlformats.org/drawingml/2006/main" xmlns:r="http://schemas.openxmlformats.org/officeDocument/2006/relationships" xmlns:mc="http://schemas.openxmlformats.org/markup-compatibility/2006" xmlns:mv="urn:schemas-microsoft-com:mac:vml" xmlns:p="http://schemas.openxmlformats.org/presentationml/2006/main" xmlns:c="http://schemas.openxmlformats.org/drawingml/2006/chart" xmlns:dgm="http://schemas.openxmlformats.org/drawingml/2006/diagram" xmlns:o="urn:schemas-microsoft-com:office:office" xmlns:v="urn:schemas-microsoft-com:vml" xmlns:pvml="urn:schemas-microsoft-com:office:powerpoint" xmlns:com="http://schemas.openxmlformats.org/drawingml/2006/compatibility" xmlns:p14="http://schemas.microsoft.com/office/powerpoint/2010/main" xmlns:p15="http://schemas.microsoft.com/office/powerpoint/2012/main" xmlns:ahyp="http://schemas.microsoft.com/office/drawing/2018/hyperlinkcolor">
-  <p:cSld>
-    <p:spTree>
-      <p:nvGrpSpPr>
-        <p:cNvPr id="194" name="Shape 194"/>
-        <p:cNvGrpSpPr/>
-        <p:nvPr/>
-      </p:nvGrpSpPr>
-      <p:grpSpPr>
-        <a:xfrm>
-          <a:off x="0" y="0"/>
-          <a:ext cx="0" cy="0"/>
-          <a:chOff x="0" y="0"/>
-          <a:chExt cx="0" cy="0"/>
-        </a:xfrm>
-      </p:grpSpPr>
-      <p:sp>
-        <p:nvSpPr>
-          <p:cNvPr id="195" name="Google Shape;195;p33"/>
-          <p:cNvSpPr txBox="1"/>
-          <p:nvPr/>
-        </p:nvSpPr>
-        <p:spPr>
-          <a:xfrm>
-            <a:off x="837450" y="2036825"/>
-            <a:ext cx="16998900" cy="585000"/>
-          </a:xfrm>
-          <a:prstGeom prst="rect">
-            <a:avLst/>
-          </a:prstGeom>
-          <a:noFill/>
-          <a:ln>
-            <a:noFill/>
-          </a:ln>
-        </p:spPr>
-        <p:txBody>
-          <a:bodyPr anchorCtr="0" anchor="t" bIns="91425" lIns="91425" spcFirstLastPara="1" rIns="91425" wrap="square" tIns="91425">
-            <a:spAutoFit/>
-          </a:bodyPr>
-          <a:lstStyle/>
-          <a:p>
-            <a:pPr indent="0" lvl="0" marL="457200" marR="0" rtl="0" algn="l">
-              <a:lnSpc>
-                <a:spcPct val="100000"/>
-              </a:lnSpc>
-              <a:spcBef>
-                <a:spcPts val="0"/>
-              </a:spcBef>
-              <a:spcAft>
-                <a:spcPts val="0"/>
-              </a:spcAft>
-              <a:buNone/>
-            </a:pPr>
-            <a:r>
-              <a:rPr b="1" lang="en" sz="2600"/>
-              <a:t>Top Predictive Features</a:t>
-            </a:r>
-            <a:endParaRPr i="0" sz="2600" u="none" cap="none" strike="noStrike">
-              <a:solidFill>
-                <a:srgbClr val="000000"/>
-              </a:solidFill>
-            </a:endParaRPr>
-          </a:p>
-        </p:txBody>
-      </p:sp>
-      <p:pic>
-        <p:nvPicPr>
-          <p:cNvPr id="196" name="Google Shape;196;p33" title="top_correlated_features.png"/>
-          <p:cNvPicPr preferRelativeResize="0"/>
-          <p:nvPr/>
-        </p:nvPicPr>
-        <p:blipFill rotWithShape="1">
-          <a:blip r:embed="rId3">
-            <a:alphaModFix/>
-          </a:blip>
-          <a:srcRect b="605" l="0" r="6777" t="6171"/>
-          <a:stretch/>
-        </p:blipFill>
-        <p:spPr>
-          <a:xfrm>
-            <a:off x="1577675" y="2650300"/>
-            <a:ext cx="15518451" cy="6650775"/>
           </a:xfrm>
           <a:prstGeom prst="rect">
             <a:avLst/>
@@ -19176,7 +19256,7 @@
           </a:bodyPr>
           <a:lstStyle/>
           <a:p>
-            <a:pPr indent="0" lvl="0" marL="457200" marR="0" rtl="0" algn="ctr">
+            <a:pPr indent="0" lvl="0" marL="457200" marR="0" rtl="0" algn="l">
               <a:lnSpc>
                 <a:spcPct val="100000"/>
               </a:lnSpc>
@@ -19190,7 +19270,7 @@
             </a:pPr>
             <a:r>
               <a:rPr b="1" lang="en" sz="2600"/>
-              <a:t>Model Evaluation</a:t>
+              <a:t>Top Predictive Features</a:t>
             </a:r>
             <a:endParaRPr i="0" sz="2600" u="none" cap="none" strike="noStrike">
               <a:solidFill>
@@ -19200,16 +19280,23 @@
           </a:p>
         </p:txBody>
       </p:sp>
-      <p:sp>
-        <p:nvSpPr>
-          <p:cNvPr id="202" name="Google Shape;202;p34"/>
-          <p:cNvSpPr txBox="1"/>
+      <p:pic>
+        <p:nvPicPr>
+          <p:cNvPr id="202" name="Google Shape;202;p34" title="top_correlated_features.png"/>
+          <p:cNvPicPr preferRelativeResize="0"/>
           <p:nvPr/>
-        </p:nvSpPr>
+        </p:nvPicPr>
+        <p:blipFill rotWithShape="1">
+          <a:blip r:embed="rId3">
+            <a:alphaModFix/>
+          </a:blip>
+          <a:srcRect b="605" l="0" r="6777" t="6171"/>
+          <a:stretch/>
+        </p:blipFill>
         <p:spPr>
           <a:xfrm>
-            <a:off x="1319250" y="2990350"/>
-            <a:ext cx="16597200" cy="4987200"/>
+            <a:off x="1577675" y="2650300"/>
+            <a:ext cx="15518451" cy="6650775"/>
           </a:xfrm>
           <a:prstGeom prst="rect">
             <a:avLst/>
@@ -19219,288 +19306,7 @@
             <a:noFill/>
           </a:ln>
         </p:spPr>
-        <p:txBody>
-          <a:bodyPr anchorCtr="0" anchor="t" bIns="91425" lIns="91425" spcFirstLastPara="1" rIns="91425" wrap="square" tIns="91425">
-            <a:spAutoFit/>
-          </a:bodyPr>
-          <a:lstStyle/>
-          <a:p>
-            <a:pPr indent="0" lvl="0" marL="0" rtl="0" algn="just">
-              <a:lnSpc>
-                <a:spcPct val="150000"/>
-              </a:lnSpc>
-              <a:spcBef>
-                <a:spcPts val="0"/>
-              </a:spcBef>
-              <a:spcAft>
-                <a:spcPts val="0"/>
-              </a:spcAft>
-              <a:buNone/>
-            </a:pPr>
-            <a:r>
-              <a:rPr b="1" lang="en" sz="2400">
-                <a:solidFill>
-                  <a:schemeClr val="dk1"/>
-                </a:solidFill>
-              </a:rPr>
-              <a:t>Train-Test Strategy:</a:t>
-            </a:r>
-            <a:endParaRPr b="1" sz="2400">
-              <a:solidFill>
-                <a:schemeClr val="dk1"/>
-              </a:solidFill>
-            </a:endParaRPr>
-          </a:p>
-          <a:p>
-            <a:pPr indent="-381000" lvl="0" marL="457200" rtl="0" algn="just">
-              <a:lnSpc>
-                <a:spcPct val="150000"/>
-              </a:lnSpc>
-              <a:spcBef>
-                <a:spcPts val="0"/>
-              </a:spcBef>
-              <a:spcAft>
-                <a:spcPts val="0"/>
-              </a:spcAft>
-              <a:buClr>
-                <a:schemeClr val="dk1"/>
-              </a:buClr>
-              <a:buSzPts val="2400"/>
-              <a:buChar char="●"/>
-            </a:pPr>
-            <a:r>
-              <a:rPr lang="en" sz="2400">
-                <a:solidFill>
-                  <a:schemeClr val="dk1"/>
-                </a:solidFill>
-              </a:rPr>
-              <a:t>Dataset split: 70% training, 15% testing, 15% validation</a:t>
-            </a:r>
-            <a:endParaRPr sz="2400">
-              <a:solidFill>
-                <a:schemeClr val="dk1"/>
-              </a:solidFill>
-            </a:endParaRPr>
-          </a:p>
-          <a:p>
-            <a:pPr indent="-381000" lvl="0" marL="457200" rtl="0" algn="just">
-              <a:lnSpc>
-                <a:spcPct val="150000"/>
-              </a:lnSpc>
-              <a:spcBef>
-                <a:spcPts val="0"/>
-              </a:spcBef>
-              <a:spcAft>
-                <a:spcPts val="0"/>
-              </a:spcAft>
-              <a:buClr>
-                <a:schemeClr val="dk1"/>
-              </a:buClr>
-              <a:buSzPts val="2400"/>
-              <a:buChar char="●"/>
-            </a:pPr>
-            <a:r>
-              <a:rPr b="1" lang="en" sz="2400">
-                <a:solidFill>
-                  <a:schemeClr val="dk1"/>
-                </a:solidFill>
-              </a:rPr>
-              <a:t>Stratified split</a:t>
-            </a:r>
-            <a:r>
-              <a:rPr lang="en" sz="2400">
-                <a:solidFill>
-                  <a:schemeClr val="dk1"/>
-                </a:solidFill>
-              </a:rPr>
-              <a:t> to preserve class distribution</a:t>
-            </a:r>
-            <a:endParaRPr sz="2400">
-              <a:solidFill>
-                <a:schemeClr val="dk1"/>
-              </a:solidFill>
-            </a:endParaRPr>
-          </a:p>
-          <a:p>
-            <a:pPr indent="0" lvl="0" marL="0" rtl="0" algn="just">
-              <a:lnSpc>
-                <a:spcPct val="150000"/>
-              </a:lnSpc>
-              <a:spcBef>
-                <a:spcPts val="0"/>
-              </a:spcBef>
-              <a:spcAft>
-                <a:spcPts val="0"/>
-              </a:spcAft>
-              <a:buNone/>
-            </a:pPr>
-            <a:r>
-              <a:t/>
-            </a:r>
-            <a:endParaRPr sz="2400">
-              <a:solidFill>
-                <a:schemeClr val="dk1"/>
-              </a:solidFill>
-            </a:endParaRPr>
-          </a:p>
-          <a:p>
-            <a:pPr indent="0" lvl="0" marL="0" rtl="0" algn="just">
-              <a:lnSpc>
-                <a:spcPct val="150000"/>
-              </a:lnSpc>
-              <a:spcBef>
-                <a:spcPts val="0"/>
-              </a:spcBef>
-              <a:spcAft>
-                <a:spcPts val="0"/>
-              </a:spcAft>
-              <a:buClr>
-                <a:schemeClr val="dk1"/>
-              </a:buClr>
-              <a:buSzPts val="1100"/>
-              <a:buFont typeface="Arial"/>
-              <a:buNone/>
-            </a:pPr>
-            <a:r>
-              <a:rPr b="1" lang="en" sz="2400">
-                <a:solidFill>
-                  <a:schemeClr val="dk1"/>
-                </a:solidFill>
-              </a:rPr>
-              <a:t>Evaluation Metrics:</a:t>
-            </a:r>
-            <a:endParaRPr b="1" sz="2400">
-              <a:solidFill>
-                <a:schemeClr val="dk1"/>
-              </a:solidFill>
-            </a:endParaRPr>
-          </a:p>
-          <a:p>
-            <a:pPr indent="-381000" lvl="0" marL="457200" rtl="0" algn="just">
-              <a:lnSpc>
-                <a:spcPct val="150000"/>
-              </a:lnSpc>
-              <a:spcBef>
-                <a:spcPts val="0"/>
-              </a:spcBef>
-              <a:spcAft>
-                <a:spcPts val="0"/>
-              </a:spcAft>
-              <a:buClr>
-                <a:schemeClr val="dk1"/>
-              </a:buClr>
-              <a:buSzPts val="2400"/>
-              <a:buChar char="●"/>
-            </a:pPr>
-            <a:r>
-              <a:rPr lang="en" sz="2400">
-                <a:solidFill>
-                  <a:schemeClr val="dk1"/>
-                </a:solidFill>
-              </a:rPr>
-              <a:t>Accuracy: Overall model correctness</a:t>
-            </a:r>
-            <a:endParaRPr sz="2400">
-              <a:solidFill>
-                <a:schemeClr val="dk1"/>
-              </a:solidFill>
-            </a:endParaRPr>
-          </a:p>
-          <a:p>
-            <a:pPr indent="-381000" lvl="0" marL="457200" rtl="0" algn="just">
-              <a:lnSpc>
-                <a:spcPct val="150000"/>
-              </a:lnSpc>
-              <a:spcBef>
-                <a:spcPts val="0"/>
-              </a:spcBef>
-              <a:spcAft>
-                <a:spcPts val="0"/>
-              </a:spcAft>
-              <a:buClr>
-                <a:schemeClr val="dk1"/>
-              </a:buClr>
-              <a:buSzPts val="2400"/>
-              <a:buChar char="●"/>
-            </a:pPr>
-            <a:r>
-              <a:rPr lang="en" sz="2400">
-                <a:solidFill>
-                  <a:schemeClr val="dk1"/>
-                </a:solidFill>
-              </a:rPr>
-              <a:t>Precision: Correctly identified malignant cases among predicted malignant</a:t>
-            </a:r>
-            <a:endParaRPr sz="2400">
-              <a:solidFill>
-                <a:schemeClr val="dk1"/>
-              </a:solidFill>
-            </a:endParaRPr>
-          </a:p>
-          <a:p>
-            <a:pPr indent="-381000" lvl="0" marL="457200" rtl="0" algn="just">
-              <a:lnSpc>
-                <a:spcPct val="150000"/>
-              </a:lnSpc>
-              <a:spcBef>
-                <a:spcPts val="0"/>
-              </a:spcBef>
-              <a:spcAft>
-                <a:spcPts val="0"/>
-              </a:spcAft>
-              <a:buClr>
-                <a:schemeClr val="dk1"/>
-              </a:buClr>
-              <a:buSzPts val="2400"/>
-              <a:buChar char="●"/>
-            </a:pPr>
-            <a:r>
-              <a:rPr lang="en" sz="2400">
-                <a:solidFill>
-                  <a:schemeClr val="dk1"/>
-                </a:solidFill>
-              </a:rPr>
-              <a:t>Recall (Sensitivity): Malignant cases correctly detected</a:t>
-            </a:r>
-            <a:endParaRPr sz="2400">
-              <a:solidFill>
-                <a:schemeClr val="dk1"/>
-              </a:solidFill>
-            </a:endParaRPr>
-          </a:p>
-          <a:p>
-            <a:pPr indent="-381000" lvl="0" marL="457200" rtl="0" algn="just">
-              <a:lnSpc>
-                <a:spcPct val="150000"/>
-              </a:lnSpc>
-              <a:spcBef>
-                <a:spcPts val="0"/>
-              </a:spcBef>
-              <a:spcAft>
-                <a:spcPts val="0"/>
-              </a:spcAft>
-              <a:buClr>
-                <a:schemeClr val="dk1"/>
-              </a:buClr>
-              <a:buSzPts val="2400"/>
-              <a:buChar char="●"/>
-            </a:pPr>
-            <a:r>
-              <a:rPr lang="en" sz="2400">
-                <a:solidFill>
-                  <a:schemeClr val="dk1"/>
-                </a:solidFill>
-              </a:rPr>
-              <a:t>F1 Score: Balance of precision and recall</a:t>
-            </a:r>
-            <a:endParaRPr sz="2400">
-              <a:solidFill>
-                <a:schemeClr val="dk1"/>
-              </a:solidFill>
-            </a:endParaRPr>
-          </a:p>
-        </p:txBody>
-      </p:sp>
+      </p:pic>
     </p:spTree>
   </p:cSld>
   <p:clrMapOvr>
@@ -19526,9 +19332,384 @@
           <a:chExt cx="0" cy="0"/>
         </a:xfrm>
       </p:grpSpPr>
+      <p:sp>
+        <p:nvSpPr>
+          <p:cNvPr id="207" name="Google Shape;207;p35"/>
+          <p:cNvSpPr txBox="1"/>
+          <p:nvPr/>
+        </p:nvSpPr>
+        <p:spPr>
+          <a:xfrm>
+            <a:off x="837450" y="2036825"/>
+            <a:ext cx="16998900" cy="585000"/>
+          </a:xfrm>
+          <a:prstGeom prst="rect">
+            <a:avLst/>
+          </a:prstGeom>
+          <a:noFill/>
+          <a:ln>
+            <a:noFill/>
+          </a:ln>
+        </p:spPr>
+        <p:txBody>
+          <a:bodyPr anchorCtr="0" anchor="t" bIns="91425" lIns="91425" spcFirstLastPara="1" rIns="91425" wrap="square" tIns="91425">
+            <a:spAutoFit/>
+          </a:bodyPr>
+          <a:lstStyle/>
+          <a:p>
+            <a:pPr indent="0" lvl="0" marL="457200" marR="0" rtl="0" algn="ctr">
+              <a:lnSpc>
+                <a:spcPct val="100000"/>
+              </a:lnSpc>
+              <a:spcBef>
+                <a:spcPts val="0"/>
+              </a:spcBef>
+              <a:spcAft>
+                <a:spcPts val="0"/>
+              </a:spcAft>
+              <a:buNone/>
+            </a:pPr>
+            <a:r>
+              <a:rPr b="1" lang="en" sz="2600"/>
+              <a:t>Model Evaluation</a:t>
+            </a:r>
+            <a:endParaRPr i="0" sz="2600" u="none" cap="none" strike="noStrike">
+              <a:solidFill>
+                <a:srgbClr val="000000"/>
+              </a:solidFill>
+            </a:endParaRPr>
+          </a:p>
+        </p:txBody>
+      </p:sp>
+      <p:sp>
+        <p:nvSpPr>
+          <p:cNvPr id="208" name="Google Shape;208;p35"/>
+          <p:cNvSpPr txBox="1"/>
+          <p:nvPr/>
+        </p:nvSpPr>
+        <p:spPr>
+          <a:xfrm>
+            <a:off x="1319250" y="2990350"/>
+            <a:ext cx="16597200" cy="4987200"/>
+          </a:xfrm>
+          <a:prstGeom prst="rect">
+            <a:avLst/>
+          </a:prstGeom>
+          <a:noFill/>
+          <a:ln>
+            <a:noFill/>
+          </a:ln>
+        </p:spPr>
+        <p:txBody>
+          <a:bodyPr anchorCtr="0" anchor="t" bIns="91425" lIns="91425" spcFirstLastPara="1" rIns="91425" wrap="square" tIns="91425">
+            <a:spAutoFit/>
+          </a:bodyPr>
+          <a:lstStyle/>
+          <a:p>
+            <a:pPr indent="0" lvl="0" marL="0" rtl="0" algn="just">
+              <a:lnSpc>
+                <a:spcPct val="150000"/>
+              </a:lnSpc>
+              <a:spcBef>
+                <a:spcPts val="0"/>
+              </a:spcBef>
+              <a:spcAft>
+                <a:spcPts val="0"/>
+              </a:spcAft>
+              <a:buNone/>
+            </a:pPr>
+            <a:r>
+              <a:rPr b="1" lang="en" sz="2400">
+                <a:solidFill>
+                  <a:schemeClr val="dk1"/>
+                </a:solidFill>
+              </a:rPr>
+              <a:t>Train-Test Strategy:</a:t>
+            </a:r>
+            <a:endParaRPr b="1" sz="2400">
+              <a:solidFill>
+                <a:schemeClr val="dk1"/>
+              </a:solidFill>
+            </a:endParaRPr>
+          </a:p>
+          <a:p>
+            <a:pPr indent="-381000" lvl="0" marL="457200" rtl="0" algn="just">
+              <a:lnSpc>
+                <a:spcPct val="150000"/>
+              </a:lnSpc>
+              <a:spcBef>
+                <a:spcPts val="0"/>
+              </a:spcBef>
+              <a:spcAft>
+                <a:spcPts val="0"/>
+              </a:spcAft>
+              <a:buClr>
+                <a:schemeClr val="dk1"/>
+              </a:buClr>
+              <a:buSzPts val="2400"/>
+              <a:buChar char="●"/>
+            </a:pPr>
+            <a:r>
+              <a:rPr lang="en" sz="2400">
+                <a:solidFill>
+                  <a:schemeClr val="dk1"/>
+                </a:solidFill>
+              </a:rPr>
+              <a:t>Dataset split: 70% training, 15% testing, 15% validation</a:t>
+            </a:r>
+            <a:endParaRPr sz="2400">
+              <a:solidFill>
+                <a:schemeClr val="dk1"/>
+              </a:solidFill>
+            </a:endParaRPr>
+          </a:p>
+          <a:p>
+            <a:pPr indent="-381000" lvl="0" marL="457200" rtl="0" algn="just">
+              <a:lnSpc>
+                <a:spcPct val="150000"/>
+              </a:lnSpc>
+              <a:spcBef>
+                <a:spcPts val="0"/>
+              </a:spcBef>
+              <a:spcAft>
+                <a:spcPts val="0"/>
+              </a:spcAft>
+              <a:buClr>
+                <a:schemeClr val="dk1"/>
+              </a:buClr>
+              <a:buSzPts val="2400"/>
+              <a:buChar char="●"/>
+            </a:pPr>
+            <a:r>
+              <a:rPr b="1" lang="en" sz="2400">
+                <a:solidFill>
+                  <a:schemeClr val="dk1"/>
+                </a:solidFill>
+              </a:rPr>
+              <a:t>Stratified split</a:t>
+            </a:r>
+            <a:r>
+              <a:rPr lang="en" sz="2400">
+                <a:solidFill>
+                  <a:schemeClr val="dk1"/>
+                </a:solidFill>
+              </a:rPr>
+              <a:t> to preserve class distribution</a:t>
+            </a:r>
+            <a:endParaRPr sz="2400">
+              <a:solidFill>
+                <a:schemeClr val="dk1"/>
+              </a:solidFill>
+            </a:endParaRPr>
+          </a:p>
+          <a:p>
+            <a:pPr indent="0" lvl="0" marL="0" rtl="0" algn="just">
+              <a:lnSpc>
+                <a:spcPct val="150000"/>
+              </a:lnSpc>
+              <a:spcBef>
+                <a:spcPts val="0"/>
+              </a:spcBef>
+              <a:spcAft>
+                <a:spcPts val="0"/>
+              </a:spcAft>
+              <a:buNone/>
+            </a:pPr>
+            <a:r>
+              <a:t/>
+            </a:r>
+            <a:endParaRPr sz="2400">
+              <a:solidFill>
+                <a:schemeClr val="dk1"/>
+              </a:solidFill>
+            </a:endParaRPr>
+          </a:p>
+          <a:p>
+            <a:pPr indent="0" lvl="0" marL="0" rtl="0" algn="just">
+              <a:lnSpc>
+                <a:spcPct val="150000"/>
+              </a:lnSpc>
+              <a:spcBef>
+                <a:spcPts val="0"/>
+              </a:spcBef>
+              <a:spcAft>
+                <a:spcPts val="0"/>
+              </a:spcAft>
+              <a:buClr>
+                <a:schemeClr val="dk1"/>
+              </a:buClr>
+              <a:buSzPts val="1100"/>
+              <a:buFont typeface="Arial"/>
+              <a:buNone/>
+            </a:pPr>
+            <a:r>
+              <a:rPr b="1" lang="en" sz="2400">
+                <a:solidFill>
+                  <a:schemeClr val="dk1"/>
+                </a:solidFill>
+              </a:rPr>
+              <a:t>Evaluation Metrics:</a:t>
+            </a:r>
+            <a:endParaRPr b="1" sz="2400">
+              <a:solidFill>
+                <a:schemeClr val="dk1"/>
+              </a:solidFill>
+            </a:endParaRPr>
+          </a:p>
+          <a:p>
+            <a:pPr indent="-381000" lvl="0" marL="457200" rtl="0" algn="just">
+              <a:lnSpc>
+                <a:spcPct val="150000"/>
+              </a:lnSpc>
+              <a:spcBef>
+                <a:spcPts val="0"/>
+              </a:spcBef>
+              <a:spcAft>
+                <a:spcPts val="0"/>
+              </a:spcAft>
+              <a:buClr>
+                <a:schemeClr val="dk1"/>
+              </a:buClr>
+              <a:buSzPts val="2400"/>
+              <a:buChar char="●"/>
+            </a:pPr>
+            <a:r>
+              <a:rPr lang="en" sz="2400">
+                <a:solidFill>
+                  <a:schemeClr val="dk1"/>
+                </a:solidFill>
+              </a:rPr>
+              <a:t>Accuracy: Overall model correctness</a:t>
+            </a:r>
+            <a:endParaRPr sz="2400">
+              <a:solidFill>
+                <a:schemeClr val="dk1"/>
+              </a:solidFill>
+            </a:endParaRPr>
+          </a:p>
+          <a:p>
+            <a:pPr indent="-381000" lvl="0" marL="457200" rtl="0" algn="just">
+              <a:lnSpc>
+                <a:spcPct val="150000"/>
+              </a:lnSpc>
+              <a:spcBef>
+                <a:spcPts val="0"/>
+              </a:spcBef>
+              <a:spcAft>
+                <a:spcPts val="0"/>
+              </a:spcAft>
+              <a:buClr>
+                <a:schemeClr val="dk1"/>
+              </a:buClr>
+              <a:buSzPts val="2400"/>
+              <a:buChar char="●"/>
+            </a:pPr>
+            <a:r>
+              <a:rPr lang="en" sz="2400">
+                <a:solidFill>
+                  <a:schemeClr val="dk1"/>
+                </a:solidFill>
+              </a:rPr>
+              <a:t>Precision: Correctly identified malignant cases among predicted malignant</a:t>
+            </a:r>
+            <a:endParaRPr sz="2400">
+              <a:solidFill>
+                <a:schemeClr val="dk1"/>
+              </a:solidFill>
+            </a:endParaRPr>
+          </a:p>
+          <a:p>
+            <a:pPr indent="-381000" lvl="0" marL="457200" rtl="0" algn="just">
+              <a:lnSpc>
+                <a:spcPct val="150000"/>
+              </a:lnSpc>
+              <a:spcBef>
+                <a:spcPts val="0"/>
+              </a:spcBef>
+              <a:spcAft>
+                <a:spcPts val="0"/>
+              </a:spcAft>
+              <a:buClr>
+                <a:schemeClr val="dk1"/>
+              </a:buClr>
+              <a:buSzPts val="2400"/>
+              <a:buChar char="●"/>
+            </a:pPr>
+            <a:r>
+              <a:rPr lang="en" sz="2400">
+                <a:solidFill>
+                  <a:schemeClr val="dk1"/>
+                </a:solidFill>
+              </a:rPr>
+              <a:t>Recall (Sensitivity): Malignant cases correctly detected</a:t>
+            </a:r>
+            <a:endParaRPr sz="2400">
+              <a:solidFill>
+                <a:schemeClr val="dk1"/>
+              </a:solidFill>
+            </a:endParaRPr>
+          </a:p>
+          <a:p>
+            <a:pPr indent="-381000" lvl="0" marL="457200" rtl="0" algn="just">
+              <a:lnSpc>
+                <a:spcPct val="150000"/>
+              </a:lnSpc>
+              <a:spcBef>
+                <a:spcPts val="0"/>
+              </a:spcBef>
+              <a:spcAft>
+                <a:spcPts val="0"/>
+              </a:spcAft>
+              <a:buClr>
+                <a:schemeClr val="dk1"/>
+              </a:buClr>
+              <a:buSzPts val="2400"/>
+              <a:buChar char="●"/>
+            </a:pPr>
+            <a:r>
+              <a:rPr lang="en" sz="2400">
+                <a:solidFill>
+                  <a:schemeClr val="dk1"/>
+                </a:solidFill>
+              </a:rPr>
+              <a:t>F1 Score: Balance of precision and recall</a:t>
+            </a:r>
+            <a:endParaRPr sz="2400">
+              <a:solidFill>
+                <a:schemeClr val="dk1"/>
+              </a:solidFill>
+            </a:endParaRPr>
+          </a:p>
+        </p:txBody>
+      </p:sp>
+    </p:spTree>
+  </p:cSld>
+  <p:clrMapOvr>
+    <a:masterClrMapping/>
+  </p:clrMapOvr>
+</p:sld>
+</file>
+
+<file path=ppt/slides/slide15.xml><?xml version="1.0" encoding="utf-8"?>
+<p:sld xmlns:a="http://schemas.openxmlformats.org/drawingml/2006/main" xmlns:r="http://schemas.openxmlformats.org/officeDocument/2006/relationships" xmlns:mc="http://schemas.openxmlformats.org/markup-compatibility/2006" xmlns:mv="urn:schemas-microsoft-com:mac:vml" xmlns:p="http://schemas.openxmlformats.org/presentationml/2006/main" xmlns:c="http://schemas.openxmlformats.org/drawingml/2006/chart" xmlns:dgm="http://schemas.openxmlformats.org/drawingml/2006/diagram" xmlns:o="urn:schemas-microsoft-com:office:office" xmlns:v="urn:schemas-microsoft-com:vml" xmlns:pvml="urn:schemas-microsoft-com:office:powerpoint" xmlns:com="http://schemas.openxmlformats.org/drawingml/2006/compatibility" xmlns:p14="http://schemas.microsoft.com/office/powerpoint/2010/main" xmlns:p15="http://schemas.microsoft.com/office/powerpoint/2012/main" xmlns:ahyp="http://schemas.microsoft.com/office/drawing/2018/hyperlinkcolor">
+  <p:cSld>
+    <p:spTree>
+      <p:nvGrpSpPr>
+        <p:cNvPr id="212" name="Shape 212"/>
+        <p:cNvGrpSpPr/>
+        <p:nvPr/>
+      </p:nvGrpSpPr>
+      <p:grpSpPr>
+        <a:xfrm>
+          <a:off x="0" y="0"/>
+          <a:ext cx="0" cy="0"/>
+          <a:chOff x="0" y="0"/>
+          <a:chExt cx="0" cy="0"/>
+        </a:xfrm>
+      </p:grpSpPr>
       <p:graphicFrame>
         <p:nvGraphicFramePr>
-          <p:cNvPr id="207" name="Google Shape;207;p35"/>
+          <p:cNvPr id="213" name="Google Shape;213;p36"/>
           <p:cNvGraphicFramePr/>
           <p:nvPr/>
         </p:nvGraphicFramePr>
@@ -19541,7 +19722,7 @@
             <a:tbl>
               <a:tblPr>
                 <a:noFill/>
-                <a:tableStyleId>{B316B7C7-2018-4806-85FE-C12FB148D3BF}</a:tableStyleId>
+                <a:tableStyleId>{E139BFD5-697B-4AEE-9F16-91CB0AB3144C}</a:tableStyleId>
               </a:tblPr>
               <a:tblGrid>
                 <a:gridCol w="4480300"/>
@@ -19877,7 +20058,7 @@
       </p:graphicFrame>
       <p:sp>
         <p:nvSpPr>
-          <p:cNvPr id="208" name="Google Shape;208;p35"/>
+          <p:cNvPr id="214" name="Google Shape;214;p36"/>
           <p:cNvSpPr txBox="1"/>
           <p:nvPr/>
         </p:nvSpPr>
@@ -19926,7 +20107,7 @@
       </p:sp>
       <p:sp>
         <p:nvSpPr>
-          <p:cNvPr id="209" name="Google Shape;209;p35"/>
+          <p:cNvPr id="215" name="Google Shape;215;p36"/>
           <p:cNvSpPr txBox="1"/>
           <p:nvPr/>
         </p:nvSpPr>
@@ -20194,12 +20375,12 @@
 </p:sld>
 </file>
 
-<file path=ppt/slides/slide15.xml><?xml version="1.0" encoding="utf-8"?>
+<file path=ppt/slides/slide16.xml><?xml version="1.0" encoding="utf-8"?>
 <p:sld xmlns:a="http://schemas.openxmlformats.org/drawingml/2006/main" xmlns:r="http://schemas.openxmlformats.org/officeDocument/2006/relationships" xmlns:mc="http://schemas.openxmlformats.org/markup-compatibility/2006" xmlns:mv="urn:schemas-microsoft-com:mac:vml" xmlns:p="http://schemas.openxmlformats.org/presentationml/2006/main" xmlns:c="http://schemas.openxmlformats.org/drawingml/2006/chart" xmlns:dgm="http://schemas.openxmlformats.org/drawingml/2006/diagram" xmlns:o="urn:schemas-microsoft-com:office:office" xmlns:v="urn:schemas-microsoft-com:vml" xmlns:pvml="urn:schemas-microsoft-com:office:powerpoint" xmlns:com="http://schemas.openxmlformats.org/drawingml/2006/compatibility" xmlns:p14="http://schemas.microsoft.com/office/powerpoint/2010/main" xmlns:p15="http://schemas.microsoft.com/office/powerpoint/2012/main" xmlns:ahyp="http://schemas.microsoft.com/office/drawing/2018/hyperlinkcolor">
   <p:cSld>
     <p:spTree>
       <p:nvGrpSpPr>
-        <p:cNvPr id="213" name="Shape 213"/>
+        <p:cNvPr id="219" name="Shape 219"/>
         <p:cNvGrpSpPr/>
         <p:nvPr/>
       </p:nvGrpSpPr>
@@ -20213,7 +20394,7 @@
       </p:grpSpPr>
       <p:sp>
         <p:nvSpPr>
-          <p:cNvPr id="214" name="Google Shape;214;p36"/>
+          <p:cNvPr id="220" name="Google Shape;220;p37"/>
           <p:cNvSpPr txBox="1"/>
           <p:nvPr>
             <p:ph idx="2" type="body"/>
@@ -22773,6 +22954,285 @@
 </file>
 
 <file path=ppt/theme/theme2.xml><?xml version="1.0" encoding="utf-8"?>
+<a:theme xmlns:a="http://schemas.openxmlformats.org/drawingml/2006/main" xmlns:r="http://schemas.openxmlformats.org/officeDocument/2006/relationships" name="Stony Brook University">
+  <a:themeElements>
+    <a:clrScheme name="Office Theme">
+      <a:dk1>
+        <a:srgbClr val="000000"/>
+      </a:dk1>
+      <a:lt1>
+        <a:srgbClr val="FFFFFF"/>
+      </a:lt1>
+      <a:dk2>
+        <a:srgbClr val="44546A"/>
+      </a:dk2>
+      <a:lt2>
+        <a:srgbClr val="E7E6E6"/>
+      </a:lt2>
+      <a:accent1>
+        <a:srgbClr val="5B9BD5"/>
+      </a:accent1>
+      <a:accent2>
+        <a:srgbClr val="ED7D31"/>
+      </a:accent2>
+      <a:accent3>
+        <a:srgbClr val="A5A5A5"/>
+      </a:accent3>
+      <a:accent4>
+        <a:srgbClr val="FFC000"/>
+      </a:accent4>
+      <a:accent5>
+        <a:srgbClr val="4472C4"/>
+      </a:accent5>
+      <a:accent6>
+        <a:srgbClr val="70AD47"/>
+      </a:accent6>
+      <a:hlink>
+        <a:srgbClr val="0563C1"/>
+      </a:hlink>
+      <a:folHlink>
+        <a:srgbClr val="954F72"/>
+      </a:folHlink>
+    </a:clrScheme>
+    <a:fontScheme name="Office">
+      <a:majorFont>
+        <a:latin typeface="Arial"/>
+        <a:ea typeface=""/>
+        <a:cs typeface=""/>
+        <a:font script="Jpan" typeface="ＭＳ Ｐゴシック"/>
+        <a:font script="Hang" typeface="맑은 고딕"/>
+        <a:font script="Hans" typeface="宋体"/>
+        <a:font script="Hant" typeface="新細明體"/>
+        <a:font script="Arab" typeface="Times New Roman"/>
+        <a:font script="Hebr" typeface="Times New Roman"/>
+        <a:font script="Thai" typeface="Angsana New"/>
+        <a:font script="Ethi" typeface="Nyala"/>
+        <a:font script="Beng" typeface="Vrinda"/>
+        <a:font script="Gujr" typeface="Shruti"/>
+        <a:font script="Khmr" typeface="MoolBoran"/>
+        <a:font script="Knda" typeface="Tunga"/>
+        <a:font script="Guru" typeface="Raavi"/>
+        <a:font script="Cans" typeface="Euphemia"/>
+        <a:font script="Cher" typeface="Plantagenet Cherokee"/>
+        <a:font script="Yiii" typeface="Microsoft Yi Baiti"/>
+        <a:font script="Tibt" typeface="Microsoft Himalaya"/>
+        <a:font script="Thaa" typeface="MV Boli"/>
+        <a:font script="Deva" typeface="Mangal"/>
+        <a:font script="Telu" typeface="Gautami"/>
+        <a:font script="Taml" typeface="Latha"/>
+        <a:font script="Syrc" typeface="Estrangelo Edessa"/>
+        <a:font script="Orya" typeface="Kalinga"/>
+        <a:font script="Mlym" typeface="Kartika"/>
+        <a:font script="Laoo" typeface="DokChampa"/>
+        <a:font script="Sinh" typeface="Iskoola Pota"/>
+        <a:font script="Mong" typeface="Mongolian Baiti"/>
+        <a:font script="Viet" typeface="Times New Roman"/>
+        <a:font script="Uigh" typeface="Microsoft Uighur"/>
+        <a:font script="Geor" typeface="Sylfaen"/>
+      </a:majorFont>
+      <a:minorFont>
+        <a:latin typeface="Arial"/>
+        <a:ea typeface=""/>
+        <a:cs typeface=""/>
+        <a:font script="Jpan" typeface="ＭＳ Ｐゴシック"/>
+        <a:font script="Hang" typeface="맑은 고딕"/>
+        <a:font script="Hans" typeface="宋体"/>
+        <a:font script="Hant" typeface="新細明體"/>
+        <a:font script="Arab" typeface="Arial"/>
+        <a:font script="Hebr" typeface="Arial"/>
+        <a:font script="Thai" typeface="Cordia New"/>
+        <a:font script="Ethi" typeface="Nyala"/>
+        <a:font script="Beng" typeface="Vrinda"/>
+        <a:font script="Gujr" typeface="Shruti"/>
+        <a:font script="Khmr" typeface="DaunPenh"/>
+        <a:font script="Knda" typeface="Tunga"/>
+        <a:font script="Guru" typeface="Raavi"/>
+        <a:font script="Cans" typeface="Euphemia"/>
+        <a:font script="Cher" typeface="Plantagenet Cherokee"/>
+        <a:font script="Yiii" typeface="Microsoft Yi Baiti"/>
+        <a:font script="Tibt" typeface="Microsoft Himalaya"/>
+        <a:font script="Thaa" typeface="MV Boli"/>
+        <a:font script="Deva" typeface="Mangal"/>
+        <a:font script="Telu" typeface="Gautami"/>
+        <a:font script="Taml" typeface="Latha"/>
+        <a:font script="Syrc" typeface="Estrangelo Edessa"/>
+        <a:font script="Orya" typeface="Kalinga"/>
+        <a:font script="Mlym" typeface="Kartika"/>
+        <a:font script="Laoo" typeface="DokChampa"/>
+        <a:font script="Sinh" typeface="Iskoola Pota"/>
+        <a:font script="Mong" typeface="Mongolian Baiti"/>
+        <a:font script="Viet" typeface="Arial"/>
+        <a:font script="Uigh" typeface="Microsoft Uighur"/>
+        <a:font script="Geor" typeface="Sylfaen"/>
+      </a:minorFont>
+    </a:fontScheme>
+    <a:fmtScheme name="Office">
+      <a:fillStyleLst>
+        <a:solidFill>
+          <a:schemeClr val="phClr"/>
+        </a:solidFill>
+        <a:gradFill rotWithShape="1">
+          <a:gsLst>
+            <a:gs pos="0">
+              <a:schemeClr val="phClr">
+                <a:tint val="50000"/>
+                <a:satMod val="300000"/>
+              </a:schemeClr>
+            </a:gs>
+            <a:gs pos="35000">
+              <a:schemeClr val="phClr">
+                <a:tint val="37000"/>
+                <a:satMod val="300000"/>
+              </a:schemeClr>
+            </a:gs>
+            <a:gs pos="100000">
+              <a:schemeClr val="phClr">
+                <a:tint val="15000"/>
+                <a:satMod val="350000"/>
+              </a:schemeClr>
+            </a:gs>
+          </a:gsLst>
+          <a:lin ang="16200000" scaled="1"/>
+        </a:gradFill>
+        <a:gradFill rotWithShape="1">
+          <a:gsLst>
+            <a:gs pos="0">
+              <a:schemeClr val="phClr">
+                <a:tint val="100000"/>
+                <a:shade val="100000"/>
+                <a:satMod val="130000"/>
+              </a:schemeClr>
+            </a:gs>
+            <a:gs pos="100000">
+              <a:schemeClr val="phClr">
+                <a:tint val="50000"/>
+                <a:shade val="100000"/>
+                <a:satMod val="350000"/>
+              </a:schemeClr>
+            </a:gs>
+          </a:gsLst>
+          <a:lin ang="16200000" scaled="0"/>
+        </a:gradFill>
+      </a:fillStyleLst>
+      <a:lnStyleLst>
+        <a:ln w="9525" cap="flat" cmpd="sng" algn="ctr">
+          <a:solidFill>
+            <a:schemeClr val="phClr">
+              <a:shade val="95000"/>
+              <a:satMod val="105000"/>
+            </a:schemeClr>
+          </a:solidFill>
+          <a:prstDash val="solid"/>
+        </a:ln>
+        <a:ln w="25400" cap="flat" cmpd="sng" algn="ctr">
+          <a:solidFill>
+            <a:schemeClr val="phClr"/>
+          </a:solidFill>
+          <a:prstDash val="solid"/>
+        </a:ln>
+        <a:ln w="38100" cap="flat" cmpd="sng" algn="ctr">
+          <a:solidFill>
+            <a:schemeClr val="phClr"/>
+          </a:solidFill>
+          <a:prstDash val="solid"/>
+        </a:ln>
+      </a:lnStyleLst>
+      <a:effectStyleLst>
+        <a:effectStyle>
+          <a:effectLst>
+            <a:outerShdw blurRad="40000" dist="20000" dir="5400000" rotWithShape="0">
+              <a:srgbClr val="000000">
+                <a:alpha val="38000"/>
+              </a:srgbClr>
+            </a:outerShdw>
+          </a:effectLst>
+        </a:effectStyle>
+        <a:effectStyle>
+          <a:effectLst>
+            <a:outerShdw blurRad="40000" dist="23000" dir="5400000" rotWithShape="0">
+              <a:srgbClr val="000000">
+                <a:alpha val="35000"/>
+              </a:srgbClr>
+            </a:outerShdw>
+          </a:effectLst>
+        </a:effectStyle>
+        <a:effectStyle>
+          <a:effectLst>
+            <a:outerShdw blurRad="40000" dist="23000" dir="5400000" rotWithShape="0">
+              <a:srgbClr val="000000">
+                <a:alpha val="35000"/>
+              </a:srgbClr>
+            </a:outerShdw>
+          </a:effectLst>
+          <a:scene3d>
+            <a:camera prst="orthographicFront">
+              <a:rot lat="0" lon="0" rev="0"/>
+            </a:camera>
+            <a:lightRig rig="threePt" dir="t">
+              <a:rot lat="0" lon="0" rev="1200000"/>
+            </a:lightRig>
+          </a:scene3d>
+          <a:sp3d>
+            <a:bevelT w="63500" h="25400"/>
+          </a:sp3d>
+        </a:effectStyle>
+      </a:effectStyleLst>
+      <a:bgFillStyleLst>
+        <a:solidFill>
+          <a:schemeClr val="phClr"/>
+        </a:solidFill>
+        <a:gradFill rotWithShape="1">
+          <a:gsLst>
+            <a:gs pos="0">
+              <a:schemeClr val="phClr">
+                <a:tint val="40000"/>
+                <a:satMod val="350000"/>
+              </a:schemeClr>
+            </a:gs>
+            <a:gs pos="40000">
+              <a:schemeClr val="phClr">
+                <a:tint val="45000"/>
+                <a:shade val="99000"/>
+                <a:satMod val="350000"/>
+              </a:schemeClr>
+            </a:gs>
+            <a:gs pos="100000">
+              <a:schemeClr val="phClr">
+                <a:shade val="20000"/>
+                <a:satMod val="255000"/>
+              </a:schemeClr>
+            </a:gs>
+          </a:gsLst>
+          <a:path path="circle">
+            <a:fillToRect l="50000" t="-80000" r="50000" b="180000"/>
+          </a:path>
+        </a:gradFill>
+        <a:gradFill rotWithShape="1">
+          <a:gsLst>
+            <a:gs pos="0">
+              <a:schemeClr val="phClr">
+                <a:tint val="80000"/>
+                <a:satMod val="300000"/>
+              </a:schemeClr>
+            </a:gs>
+            <a:gs pos="100000">
+              <a:schemeClr val="phClr">
+                <a:shade val="30000"/>
+                <a:satMod val="200000"/>
+              </a:schemeClr>
+            </a:gs>
+          </a:gsLst>
+          <a:path path="circle">
+            <a:fillToRect l="50000" t="50000" r="50000" b="50000"/>
+          </a:path>
+        </a:gradFill>
+      </a:bgFillStyleLst>
+    </a:fmtScheme>
+  </a:themeElements>
+</a:theme>
+</file>
+
+<file path=ppt/theme/theme3.xml><?xml version="1.0" encoding="utf-8"?>
 <a:theme xmlns:a="http://schemas.openxmlformats.org/drawingml/2006/main" xmlns:r="http://schemas.openxmlformats.org/officeDocument/2006/relationships" name="Custom Theme">
   <a:themeElements>
     <a:clrScheme name="Office">
@@ -23049,283 +23509,4 @@
     </a:fmtScheme>
   </a:themeElements>
 </a:theme>
-</file>
-
-<file path=ppt/theme/theme3.xml><?xml version="1.0" encoding="utf-8"?>
-<a:theme xmlns:a="http://schemas.openxmlformats.org/drawingml/2006/main" xmlns:r="http://schemas.openxmlformats.org/officeDocument/2006/relationships" name="Stony Brook University">
-  <a:themeElements>
-    <a:clrScheme name="Office Theme">
-      <a:dk1>
-        <a:srgbClr val="000000"/>
-      </a:dk1>
-      <a:lt1>
-        <a:srgbClr val="FFFFFF"/>
-      </a:lt1>
-      <a:dk2>
-        <a:srgbClr val="44546A"/>
-      </a:dk2>
-      <a:lt2>
-        <a:srgbClr val="E7E6E6"/>
-      </a:lt2>
-      <a:accent1>
-        <a:srgbClr val="5B9BD5"/>
-      </a:accent1>
-      <a:accent2>
-        <a:srgbClr val="ED7D31"/>
-      </a:accent2>
-      <a:accent3>
-        <a:srgbClr val="A5A5A5"/>
-      </a:accent3>
-      <a:accent4>
-        <a:srgbClr val="FFC000"/>
-      </a:accent4>
-      <a:accent5>
-        <a:srgbClr val="4472C4"/>
-      </a:accent5>
-      <a:accent6>
-        <a:srgbClr val="70AD47"/>
-      </a:accent6>
-      <a:hlink>
-        <a:srgbClr val="0563C1"/>
-      </a:hlink>
-      <a:folHlink>
-        <a:srgbClr val="954F72"/>
-      </a:folHlink>
-    </a:clrScheme>
-    <a:fontScheme name="Office">
-      <a:majorFont>
-        <a:latin typeface="Arial"/>
-        <a:ea typeface=""/>
-        <a:cs typeface=""/>
-        <a:font script="Jpan" typeface="ＭＳ Ｐゴシック"/>
-        <a:font script="Hang" typeface="맑은 고딕"/>
-        <a:font script="Hans" typeface="宋体"/>
-        <a:font script="Hant" typeface="新細明體"/>
-        <a:font script="Arab" typeface="Times New Roman"/>
-        <a:font script="Hebr" typeface="Times New Roman"/>
-        <a:font script="Thai" typeface="Angsana New"/>
-        <a:font script="Ethi" typeface="Nyala"/>
-        <a:font script="Beng" typeface="Vrinda"/>
-        <a:font script="Gujr" typeface="Shruti"/>
-        <a:font script="Khmr" typeface="MoolBoran"/>
-        <a:font script="Knda" typeface="Tunga"/>
-        <a:font script="Guru" typeface="Raavi"/>
-        <a:font script="Cans" typeface="Euphemia"/>
-        <a:font script="Cher" typeface="Plantagenet Cherokee"/>
-        <a:font script="Yiii" typeface="Microsoft Yi Baiti"/>
-        <a:font script="Tibt" typeface="Microsoft Himalaya"/>
-        <a:font script="Thaa" typeface="MV Boli"/>
-        <a:font script="Deva" typeface="Mangal"/>
-        <a:font script="Telu" typeface="Gautami"/>
-        <a:font script="Taml" typeface="Latha"/>
-        <a:font script="Syrc" typeface="Estrangelo Edessa"/>
-        <a:font script="Orya" typeface="Kalinga"/>
-        <a:font script="Mlym" typeface="Kartika"/>
-        <a:font script="Laoo" typeface="DokChampa"/>
-        <a:font script="Sinh" typeface="Iskoola Pota"/>
-        <a:font script="Mong" typeface="Mongolian Baiti"/>
-        <a:font script="Viet" typeface="Times New Roman"/>
-        <a:font script="Uigh" typeface="Microsoft Uighur"/>
-        <a:font script="Geor" typeface="Sylfaen"/>
-      </a:majorFont>
-      <a:minorFont>
-        <a:latin typeface="Arial"/>
-        <a:ea typeface=""/>
-        <a:cs typeface=""/>
-        <a:font script="Jpan" typeface="ＭＳ Ｐゴシック"/>
-        <a:font script="Hang" typeface="맑은 고딕"/>
-        <a:font script="Hans" typeface="宋体"/>
-        <a:font script="Hant" typeface="新細明體"/>
-        <a:font script="Arab" typeface="Arial"/>
-        <a:font script="Hebr" typeface="Arial"/>
-        <a:font script="Thai" typeface="Cordia New"/>
-        <a:font script="Ethi" typeface="Nyala"/>
-        <a:font script="Beng" typeface="Vrinda"/>
-        <a:font script="Gujr" typeface="Shruti"/>
-        <a:font script="Khmr" typeface="DaunPenh"/>
-        <a:font script="Knda" typeface="Tunga"/>
-        <a:font script="Guru" typeface="Raavi"/>
-        <a:font script="Cans" typeface="Euphemia"/>
-        <a:font script="Cher" typeface="Plantagenet Cherokee"/>
-        <a:font script="Yiii" typeface="Microsoft Yi Baiti"/>
-        <a:font script="Tibt" typeface="Microsoft Himalaya"/>
-        <a:font script="Thaa" typeface="MV Boli"/>
-        <a:font script="Deva" typeface="Mangal"/>
-        <a:font script="Telu" typeface="Gautami"/>
-        <a:font script="Taml" typeface="Latha"/>
-        <a:font script="Syrc" typeface="Estrangelo Edessa"/>
-        <a:font script="Orya" typeface="Kalinga"/>
-        <a:font script="Mlym" typeface="Kartika"/>
-        <a:font script="Laoo" typeface="DokChampa"/>
-        <a:font script="Sinh" typeface="Iskoola Pota"/>
-        <a:font script="Mong" typeface="Mongolian Baiti"/>
-        <a:font script="Viet" typeface="Arial"/>
-        <a:font script="Uigh" typeface="Microsoft Uighur"/>
-        <a:font script="Geor" typeface="Sylfaen"/>
-      </a:minorFont>
-    </a:fontScheme>
-    <a:fmtScheme name="Office">
-      <a:fillStyleLst>
-        <a:solidFill>
-          <a:schemeClr val="phClr"/>
-        </a:solidFill>
-        <a:gradFill rotWithShape="1">
-          <a:gsLst>
-            <a:gs pos="0">
-              <a:schemeClr val="phClr">
-                <a:tint val="50000"/>
-                <a:satMod val="300000"/>
-              </a:schemeClr>
-            </a:gs>
-            <a:gs pos="35000">
-              <a:schemeClr val="phClr">
-                <a:tint val="37000"/>
-                <a:satMod val="300000"/>
-              </a:schemeClr>
-            </a:gs>
-            <a:gs pos="100000">
-              <a:schemeClr val="phClr">
-                <a:tint val="15000"/>
-                <a:satMod val="350000"/>
-              </a:schemeClr>
-            </a:gs>
-          </a:gsLst>
-          <a:lin ang="16200000" scaled="1"/>
-        </a:gradFill>
-        <a:gradFill rotWithShape="1">
-          <a:gsLst>
-            <a:gs pos="0">
-              <a:schemeClr val="phClr">
-                <a:tint val="100000"/>
-                <a:shade val="100000"/>
-                <a:satMod val="130000"/>
-              </a:schemeClr>
-            </a:gs>
-            <a:gs pos="100000">
-              <a:schemeClr val="phClr">
-                <a:tint val="50000"/>
-                <a:shade val="100000"/>
-                <a:satMod val="350000"/>
-              </a:schemeClr>
-            </a:gs>
-          </a:gsLst>
-          <a:lin ang="16200000" scaled="0"/>
-        </a:gradFill>
-      </a:fillStyleLst>
-      <a:lnStyleLst>
-        <a:ln w="9525" cap="flat" cmpd="sng" algn="ctr">
-          <a:solidFill>
-            <a:schemeClr val="phClr">
-              <a:shade val="95000"/>
-              <a:satMod val="105000"/>
-            </a:schemeClr>
-          </a:solidFill>
-          <a:prstDash val="solid"/>
-        </a:ln>
-        <a:ln w="25400" cap="flat" cmpd="sng" algn="ctr">
-          <a:solidFill>
-            <a:schemeClr val="phClr"/>
-          </a:solidFill>
-          <a:prstDash val="solid"/>
-        </a:ln>
-        <a:ln w="38100" cap="flat" cmpd="sng" algn="ctr">
-          <a:solidFill>
-            <a:schemeClr val="phClr"/>
-          </a:solidFill>
-          <a:prstDash val="solid"/>
-        </a:ln>
-      </a:lnStyleLst>
-      <a:effectStyleLst>
-        <a:effectStyle>
-          <a:effectLst>
-            <a:outerShdw blurRad="40000" dist="20000" dir="5400000" rotWithShape="0">
-              <a:srgbClr val="000000">
-                <a:alpha val="38000"/>
-              </a:srgbClr>
-            </a:outerShdw>
-          </a:effectLst>
-        </a:effectStyle>
-        <a:effectStyle>
-          <a:effectLst>
-            <a:outerShdw blurRad="40000" dist="23000" dir="5400000" rotWithShape="0">
-              <a:srgbClr val="000000">
-                <a:alpha val="35000"/>
-              </a:srgbClr>
-            </a:outerShdw>
-          </a:effectLst>
-        </a:effectStyle>
-        <a:effectStyle>
-          <a:effectLst>
-            <a:outerShdw blurRad="40000" dist="23000" dir="5400000" rotWithShape="0">
-              <a:srgbClr val="000000">
-                <a:alpha val="35000"/>
-              </a:srgbClr>
-            </a:outerShdw>
-          </a:effectLst>
-          <a:scene3d>
-            <a:camera prst="orthographicFront">
-              <a:rot lat="0" lon="0" rev="0"/>
-            </a:camera>
-            <a:lightRig rig="threePt" dir="t">
-              <a:rot lat="0" lon="0" rev="1200000"/>
-            </a:lightRig>
-          </a:scene3d>
-          <a:sp3d>
-            <a:bevelT w="63500" h="25400"/>
-          </a:sp3d>
-        </a:effectStyle>
-      </a:effectStyleLst>
-      <a:bgFillStyleLst>
-        <a:solidFill>
-          <a:schemeClr val="phClr"/>
-        </a:solidFill>
-        <a:gradFill rotWithShape="1">
-          <a:gsLst>
-            <a:gs pos="0">
-              <a:schemeClr val="phClr">
-                <a:tint val="40000"/>
-                <a:satMod val="350000"/>
-              </a:schemeClr>
-            </a:gs>
-            <a:gs pos="40000">
-              <a:schemeClr val="phClr">
-                <a:tint val="45000"/>
-                <a:shade val="99000"/>
-                <a:satMod val="350000"/>
-              </a:schemeClr>
-            </a:gs>
-            <a:gs pos="100000">
-              <a:schemeClr val="phClr">
-                <a:shade val="20000"/>
-                <a:satMod val="255000"/>
-              </a:schemeClr>
-            </a:gs>
-          </a:gsLst>
-          <a:path path="circle">
-            <a:fillToRect l="50000" t="-80000" r="50000" b="180000"/>
-          </a:path>
-        </a:gradFill>
-        <a:gradFill rotWithShape="1">
-          <a:gsLst>
-            <a:gs pos="0">
-              <a:schemeClr val="phClr">
-                <a:tint val="80000"/>
-                <a:satMod val="300000"/>
-              </a:schemeClr>
-            </a:gs>
-            <a:gs pos="100000">
-              <a:schemeClr val="phClr">
-                <a:shade val="30000"/>
-                <a:satMod val="200000"/>
-              </a:schemeClr>
-            </a:gs>
-          </a:gsLst>
-          <a:path path="circle">
-            <a:fillToRect l="50000" t="50000" r="50000" b="50000"/>
-          </a:path>
-        </a:gradFill>
-      </a:bgFillStyleLst>
-    </a:fmtScheme>
-  </a:themeElements>
-</a:theme>
 </file>